--- a/slides/FAIRintro4SoilMapping.pptx
+++ b/slides/FAIRintro4SoilMapping.pptx
@@ -3306,12 +3306,7 @@
             <p:ph type="title"/>
           </p:nvPr>
         </p:nvSpPr>
-        <p:spPr>
-          <a:xfrm>
-            <a:off x="722313" y="3305176"/>
-            <a:ext cx="7772400" cy="1021556"/>
-          </a:xfrm>
-        </p:spPr>
+        <p:spPr/>
         <p:txBody>
           <a:bodyPr/>
           <a:lstStyle/>
@@ -3977,12 +3972,7 @@
             <p:ph type="title"/>
           </p:nvPr>
         </p:nvSpPr>
-        <p:spPr>
-          <a:xfrm>
-            <a:off x="722313" y="3305176"/>
-            <a:ext cx="7772400" cy="1021556"/>
-          </a:xfrm>
-        </p:spPr>
+        <p:spPr/>
         <p:txBody>
           <a:bodyPr/>
           <a:lstStyle/>
@@ -4029,12 +4019,7 @@
             <p:ph type="title"/>
           </p:nvPr>
         </p:nvSpPr>
-        <p:spPr>
-          <a:xfrm>
-            <a:off x="722313" y="3305176"/>
-            <a:ext cx="7772400" cy="1021556"/>
-          </a:xfrm>
-        </p:spPr>
+        <p:spPr/>
         <p:txBody>
           <a:bodyPr/>
           <a:lstStyle/>
@@ -4432,12 +4417,7 @@
             <p:ph type="title"/>
           </p:nvPr>
         </p:nvSpPr>
-        <p:spPr>
-          <a:xfrm>
-            <a:off x="722313" y="3305176"/>
-            <a:ext cx="7772400" cy="1021556"/>
-          </a:xfrm>
-        </p:spPr>
+        <p:spPr/>
         <p:txBody>
           <a:bodyPr/>
           <a:lstStyle/>
@@ -4689,12 +4669,7 @@
             <p:ph type="title"/>
           </p:nvPr>
         </p:nvSpPr>
-        <p:spPr>
-          <a:xfrm>
-            <a:off x="722313" y="3305176"/>
-            <a:ext cx="7772400" cy="1021556"/>
-          </a:xfrm>
-        </p:spPr>
+        <p:spPr/>
         <p:txBody>
           <a:bodyPr/>
           <a:lstStyle/>
